--- a/docs/songs/here is love.pptx
+++ b/docs/songs/here is love.pptx
@@ -308,7 +308,7 @@
             <a:fld id="{26EA1CF3-4A15-4CBF-9A5A-6A56C368BE71}" type="datetimeFigureOut">
               <a:rPr lang="en-GB" smtClean="0"/>
               <a:pPr/>
-              <a:t>03/10/2022</a:t>
+              <a:t>10/11/2025</a:t>
             </a:fld>
             <a:endParaRPr lang="en-GB"/>
           </a:p>
@@ -475,7 +475,7 @@
             <a:fld id="{26EA1CF3-4A15-4CBF-9A5A-6A56C368BE71}" type="datetimeFigureOut">
               <a:rPr lang="en-GB" smtClean="0"/>
               <a:pPr/>
-              <a:t>03/10/2022</a:t>
+              <a:t>10/11/2025</a:t>
             </a:fld>
             <a:endParaRPr lang="en-GB"/>
           </a:p>
@@ -652,7 +652,7 @@
             <a:fld id="{26EA1CF3-4A15-4CBF-9A5A-6A56C368BE71}" type="datetimeFigureOut">
               <a:rPr lang="en-GB" smtClean="0"/>
               <a:pPr/>
-              <a:t>03/10/2022</a:t>
+              <a:t>10/11/2025</a:t>
             </a:fld>
             <a:endParaRPr lang="en-GB"/>
           </a:p>
@@ -819,7 +819,7 @@
             <a:fld id="{26EA1CF3-4A15-4CBF-9A5A-6A56C368BE71}" type="datetimeFigureOut">
               <a:rPr lang="en-GB" smtClean="0"/>
               <a:pPr/>
-              <a:t>03/10/2022</a:t>
+              <a:t>10/11/2025</a:t>
             </a:fld>
             <a:endParaRPr lang="en-GB"/>
           </a:p>
@@ -1062,7 +1062,7 @@
             <a:fld id="{26EA1CF3-4A15-4CBF-9A5A-6A56C368BE71}" type="datetimeFigureOut">
               <a:rPr lang="en-GB" smtClean="0"/>
               <a:pPr/>
-              <a:t>03/10/2022</a:t>
+              <a:t>10/11/2025</a:t>
             </a:fld>
             <a:endParaRPr lang="en-GB"/>
           </a:p>
@@ -1347,7 +1347,7 @@
             <a:fld id="{26EA1CF3-4A15-4CBF-9A5A-6A56C368BE71}" type="datetimeFigureOut">
               <a:rPr lang="en-GB" smtClean="0"/>
               <a:pPr/>
-              <a:t>03/10/2022</a:t>
+              <a:t>10/11/2025</a:t>
             </a:fld>
             <a:endParaRPr lang="en-GB"/>
           </a:p>
@@ -1766,7 +1766,7 @@
             <a:fld id="{26EA1CF3-4A15-4CBF-9A5A-6A56C368BE71}" type="datetimeFigureOut">
               <a:rPr lang="en-GB" smtClean="0"/>
               <a:pPr/>
-              <a:t>03/10/2022</a:t>
+              <a:t>10/11/2025</a:t>
             </a:fld>
             <a:endParaRPr lang="en-GB"/>
           </a:p>
@@ -1881,7 +1881,7 @@
             <a:fld id="{26EA1CF3-4A15-4CBF-9A5A-6A56C368BE71}" type="datetimeFigureOut">
               <a:rPr lang="en-GB" smtClean="0"/>
               <a:pPr/>
-              <a:t>03/10/2022</a:t>
+              <a:t>10/11/2025</a:t>
             </a:fld>
             <a:endParaRPr lang="en-GB"/>
           </a:p>
@@ -1973,7 +1973,7 @@
             <a:fld id="{26EA1CF3-4A15-4CBF-9A5A-6A56C368BE71}" type="datetimeFigureOut">
               <a:rPr lang="en-GB" smtClean="0"/>
               <a:pPr/>
-              <a:t>03/10/2022</a:t>
+              <a:t>10/11/2025</a:t>
             </a:fld>
             <a:endParaRPr lang="en-GB"/>
           </a:p>
@@ -2247,7 +2247,7 @@
             <a:fld id="{26EA1CF3-4A15-4CBF-9A5A-6A56C368BE71}" type="datetimeFigureOut">
               <a:rPr lang="en-GB" smtClean="0"/>
               <a:pPr/>
-              <a:t>03/10/2022</a:t>
+              <a:t>10/11/2025</a:t>
             </a:fld>
             <a:endParaRPr lang="en-GB"/>
           </a:p>
@@ -2497,7 +2497,7 @@
             <a:fld id="{26EA1CF3-4A15-4CBF-9A5A-6A56C368BE71}" type="datetimeFigureOut">
               <a:rPr lang="en-GB" smtClean="0"/>
               <a:pPr/>
-              <a:t>03/10/2022</a:t>
+              <a:t>10/11/2025</a:t>
             </a:fld>
             <a:endParaRPr lang="en-GB"/>
           </a:p>
@@ -2710,7 +2710,7 @@
             <a:fld id="{26EA1CF3-4A15-4CBF-9A5A-6A56C368BE71}" type="datetimeFigureOut">
               <a:rPr lang="en-GB" smtClean="0"/>
               <a:pPr/>
-              <a:t>03/10/2022</a:t>
+              <a:t>10/11/2025</a:t>
             </a:fld>
             <a:endParaRPr lang="en-GB"/>
           </a:p>
@@ -3107,7 +3107,7 @@
           </a:p>
           <a:p>
             <a:r>
-              <a:rPr lang="en-GB" sz="9600" dirty="0"/>
+              <a:rPr lang="en-GB" sz="6000" dirty="0"/>
               <a:t>Here Is Love</a:t>
             </a:r>
           </a:p>
@@ -3226,7 +3226,7 @@
         </p:nvSpPr>
         <p:spPr>
           <a:xfrm>
-            <a:off x="323528" y="188640"/>
+            <a:off x="251520" y="980728"/>
             <a:ext cx="8640960" cy="6480720"/>
           </a:xfrm>
         </p:spPr>
@@ -3237,7 +3237,7 @@
           <a:lstStyle/>
           <a:p>
             <a:r>
-              <a:rPr lang="en-GB" sz="4700" dirty="0">
+              <a:rPr lang="en-GB" sz="3600" dirty="0">
                 <a:solidFill>
                   <a:schemeClr val="bg1"/>
                 </a:solidFill>
@@ -3245,14 +3245,14 @@
               <a:t>Here is love vast as the ocean</a:t>
             </a:r>
             <a:br>
-              <a:rPr lang="en-GB" sz="4700" dirty="0">
+              <a:rPr lang="en-GB" sz="3600" dirty="0">
                 <a:solidFill>
                   <a:schemeClr val="bg1"/>
                 </a:solidFill>
               </a:rPr>
             </a:br>
             <a:r>
-              <a:rPr lang="en-GB" sz="4700" dirty="0">
+              <a:rPr lang="en-GB" sz="3600" dirty="0">
                 <a:solidFill>
                   <a:schemeClr val="bg1"/>
                 </a:solidFill>
@@ -3260,14 +3260,14 @@
               <a:t>Loving-kindness as the flood</a:t>
             </a:r>
             <a:br>
-              <a:rPr lang="en-GB" sz="4700" dirty="0">
+              <a:rPr lang="en-GB" sz="3600" dirty="0">
                 <a:solidFill>
                   <a:schemeClr val="bg1"/>
                 </a:solidFill>
               </a:rPr>
             </a:br>
             <a:r>
-              <a:rPr lang="en-GB" sz="4700" dirty="0">
+              <a:rPr lang="en-GB" sz="3600" dirty="0">
                 <a:solidFill>
                   <a:schemeClr val="bg1"/>
                 </a:solidFill>
@@ -3275,14 +3275,14 @@
               <a:t>When the Prince of Life our Ransom</a:t>
             </a:r>
             <a:br>
-              <a:rPr lang="en-GB" sz="4700" dirty="0">
+              <a:rPr lang="en-GB" sz="3600" dirty="0">
                 <a:solidFill>
                   <a:schemeClr val="bg1"/>
                 </a:solidFill>
               </a:rPr>
             </a:br>
             <a:r>
-              <a:rPr lang="en-GB" sz="4700" dirty="0">
+              <a:rPr lang="en-GB" sz="3600" dirty="0">
                 <a:solidFill>
                   <a:schemeClr val="bg1"/>
                 </a:solidFill>
@@ -3292,7 +3292,7 @@
           </a:p>
           <a:p>
             <a:r>
-              <a:rPr lang="en-GB" sz="4700" dirty="0">
+              <a:rPr lang="en-GB" sz="3600" dirty="0">
                 <a:solidFill>
                   <a:schemeClr val="bg1"/>
                 </a:solidFill>
@@ -3300,14 +3300,14 @@
               <a:t>Who His love will not remember</a:t>
             </a:r>
             <a:br>
-              <a:rPr lang="en-GB" sz="4700" dirty="0">
+              <a:rPr lang="en-GB" sz="3600" dirty="0">
                 <a:solidFill>
                   <a:schemeClr val="bg1"/>
                 </a:solidFill>
               </a:rPr>
             </a:br>
             <a:r>
-              <a:rPr lang="en-GB" sz="4700" dirty="0">
+              <a:rPr lang="en-GB" sz="3600" dirty="0">
                 <a:solidFill>
                   <a:schemeClr val="bg1"/>
                 </a:solidFill>
@@ -3315,14 +3315,14 @@
               <a:t>Who can cease to sing His praise</a:t>
             </a:r>
             <a:br>
-              <a:rPr lang="en-GB" sz="4700" dirty="0">
+              <a:rPr lang="en-GB" sz="3600" dirty="0">
                 <a:solidFill>
                   <a:schemeClr val="bg1"/>
                 </a:solidFill>
               </a:rPr>
             </a:br>
             <a:r>
-              <a:rPr lang="en-GB" sz="4700" dirty="0">
+              <a:rPr lang="en-GB" sz="3600" dirty="0">
                 <a:solidFill>
                   <a:schemeClr val="bg1"/>
                 </a:solidFill>
@@ -3330,14 +3330,14 @@
               <a:t>He can never be forgotten</a:t>
             </a:r>
             <a:br>
-              <a:rPr lang="en-GB" sz="4700" dirty="0">
+              <a:rPr lang="en-GB" sz="3600" dirty="0">
                 <a:solidFill>
                   <a:schemeClr val="bg1"/>
                 </a:solidFill>
               </a:rPr>
             </a:br>
             <a:r>
-              <a:rPr lang="en-GB" sz="4700" dirty="0">
+              <a:rPr lang="en-GB" sz="3600" dirty="0">
                 <a:solidFill>
                   <a:schemeClr val="bg1"/>
                 </a:solidFill>
@@ -3345,7 +3345,7 @@
               <a:t>Throughout </a:t>
             </a:r>
             <a:r>
-              <a:rPr lang="en-GB" sz="4700" dirty="0" err="1">
+              <a:rPr lang="en-GB" sz="3600" dirty="0" err="1">
                 <a:solidFill>
                   <a:schemeClr val="bg1"/>
                 </a:solidFill>
@@ -3353,7 +3353,7 @@
               <a:t>Heav'n's</a:t>
             </a:r>
             <a:r>
-              <a:rPr lang="en-GB" sz="4700" dirty="0">
+              <a:rPr lang="en-GB" sz="3600" dirty="0">
                 <a:solidFill>
                   <a:schemeClr val="bg1"/>
                 </a:solidFill>
@@ -3433,7 +3433,7 @@
         </p:nvSpPr>
         <p:spPr>
           <a:xfrm>
-            <a:off x="323528" y="188640"/>
+            <a:off x="203118" y="908720"/>
             <a:ext cx="8640960" cy="6480720"/>
           </a:xfrm>
         </p:spPr>
@@ -3444,7 +3444,7 @@
           <a:lstStyle/>
           <a:p>
             <a:r>
-              <a:rPr lang="en-GB" sz="4800" dirty="0">
+              <a:rPr lang="en-GB" sz="3600" dirty="0">
                 <a:solidFill>
                   <a:schemeClr val="bg1"/>
                 </a:solidFill>
@@ -3452,14 +3452,14 @@
               <a:t>On the mount of crucifixion</a:t>
             </a:r>
             <a:br>
-              <a:rPr lang="en-GB" sz="4800" dirty="0">
+              <a:rPr lang="en-GB" sz="3600" dirty="0">
                 <a:solidFill>
                   <a:schemeClr val="bg1"/>
                 </a:solidFill>
               </a:rPr>
             </a:br>
             <a:r>
-              <a:rPr lang="en-GB" sz="4800" dirty="0">
+              <a:rPr lang="en-GB" sz="3600" dirty="0">
                 <a:solidFill>
                   <a:schemeClr val="bg1"/>
                 </a:solidFill>
@@ -3467,14 +3467,14 @@
               <a:t>Fountains opened deep and wide</a:t>
             </a:r>
             <a:br>
-              <a:rPr lang="en-GB" sz="4800" dirty="0">
+              <a:rPr lang="en-GB" sz="3600" dirty="0">
                 <a:solidFill>
                   <a:schemeClr val="bg1"/>
                 </a:solidFill>
               </a:rPr>
             </a:br>
             <a:r>
-              <a:rPr lang="en-GB" sz="4800" dirty="0">
+              <a:rPr lang="en-GB" sz="3600" dirty="0">
                 <a:solidFill>
                   <a:schemeClr val="bg1"/>
                 </a:solidFill>
@@ -3482,14 +3482,14 @@
               <a:t>Through the floodgates of God's mercy</a:t>
             </a:r>
             <a:br>
-              <a:rPr lang="en-GB" sz="4800" dirty="0">
+              <a:rPr lang="en-GB" sz="3600" dirty="0">
                 <a:solidFill>
                   <a:schemeClr val="bg1"/>
                 </a:solidFill>
               </a:rPr>
             </a:br>
             <a:r>
-              <a:rPr lang="en-GB" sz="4800" dirty="0">
+              <a:rPr lang="en-GB" sz="3600" dirty="0">
                 <a:solidFill>
                   <a:schemeClr val="bg1"/>
                 </a:solidFill>
@@ -3497,14 +3497,14 @@
               <a:t>Flowed a vast and gracious tide</a:t>
             </a:r>
             <a:br>
-              <a:rPr lang="en-GB" sz="4800" dirty="0">
+              <a:rPr lang="en-GB" sz="3600" dirty="0">
                 <a:solidFill>
                   <a:schemeClr val="bg1"/>
                 </a:solidFill>
               </a:rPr>
             </a:br>
             <a:r>
-              <a:rPr lang="en-GB" sz="4800" dirty="0">
+              <a:rPr lang="en-GB" sz="3600" dirty="0">
                 <a:solidFill>
                   <a:schemeClr val="bg1"/>
                 </a:solidFill>
@@ -3512,14 +3512,14 @@
               <a:t>Grace and love like mighty rivers</a:t>
             </a:r>
             <a:br>
-              <a:rPr lang="en-GB" sz="4800" dirty="0">
+              <a:rPr lang="en-GB" sz="3600" dirty="0">
                 <a:solidFill>
                   <a:schemeClr val="bg1"/>
                 </a:solidFill>
               </a:rPr>
             </a:br>
             <a:r>
-              <a:rPr lang="en-GB" sz="4800" dirty="0">
+              <a:rPr lang="en-GB" sz="3600" dirty="0">
                 <a:solidFill>
                   <a:schemeClr val="bg1"/>
                 </a:solidFill>
@@ -3527,14 +3527,14 @@
               <a:t>Poured incessant from above</a:t>
             </a:r>
             <a:br>
-              <a:rPr lang="en-GB" sz="4800" dirty="0">
+              <a:rPr lang="en-GB" sz="3600" dirty="0">
                 <a:solidFill>
                   <a:schemeClr val="bg1"/>
                 </a:solidFill>
               </a:rPr>
             </a:br>
             <a:r>
-              <a:rPr lang="en-GB" sz="4800" dirty="0" err="1">
+              <a:rPr lang="en-GB" sz="3600" dirty="0" err="1">
                 <a:solidFill>
                   <a:schemeClr val="bg1"/>
                 </a:solidFill>
@@ -3542,7 +3542,7 @@
               <a:t>Heav'n's</a:t>
             </a:r>
             <a:r>
-              <a:rPr lang="en-GB" sz="4800" dirty="0">
+              <a:rPr lang="en-GB" sz="3600" dirty="0">
                 <a:solidFill>
                   <a:schemeClr val="bg1"/>
                 </a:solidFill>
@@ -3550,14 +3550,14 @@
               <a:t> peace and perfect justice</a:t>
             </a:r>
             <a:br>
-              <a:rPr lang="en-GB" sz="4800" dirty="0">
+              <a:rPr lang="en-GB" sz="3600" dirty="0">
                 <a:solidFill>
                   <a:schemeClr val="bg1"/>
                 </a:solidFill>
               </a:rPr>
             </a:br>
             <a:r>
-              <a:rPr lang="en-GB" sz="4800" dirty="0">
+              <a:rPr lang="en-GB" sz="3600" dirty="0">
                 <a:solidFill>
                   <a:schemeClr val="bg1"/>
                 </a:solidFill>
@@ -3637,7 +3637,7 @@
         </p:nvSpPr>
         <p:spPr>
           <a:xfrm>
-            <a:off x="323528" y="188640"/>
+            <a:off x="203118" y="1052736"/>
             <a:ext cx="8640960" cy="6480720"/>
           </a:xfrm>
         </p:spPr>
@@ -3648,7 +3648,7 @@
           <a:lstStyle/>
           <a:p>
             <a:r>
-              <a:rPr lang="en-GB" sz="4800" dirty="0">
+              <a:rPr lang="en-GB" sz="3600" dirty="0">
                 <a:solidFill>
                   <a:schemeClr val="bg1"/>
                 </a:solidFill>
@@ -3656,14 +3656,14 @@
               <a:t>Let us all His love accepting</a:t>
             </a:r>
             <a:br>
-              <a:rPr lang="en-GB" sz="4800" dirty="0">
+              <a:rPr lang="en-GB" sz="3600" dirty="0">
                 <a:solidFill>
                   <a:schemeClr val="bg1"/>
                 </a:solidFill>
               </a:rPr>
             </a:br>
             <a:r>
-              <a:rPr lang="en-GB" sz="4800" dirty="0">
+              <a:rPr lang="en-GB" sz="3600" dirty="0">
                 <a:solidFill>
                   <a:schemeClr val="bg1"/>
                 </a:solidFill>
@@ -3671,14 +3671,14 @@
               <a:t>Love Him ever all our days</a:t>
             </a:r>
             <a:br>
-              <a:rPr lang="en-GB" sz="4800" dirty="0">
+              <a:rPr lang="en-GB" sz="3600" dirty="0">
                 <a:solidFill>
                   <a:schemeClr val="bg1"/>
                 </a:solidFill>
               </a:rPr>
             </a:br>
             <a:r>
-              <a:rPr lang="en-GB" sz="4800" dirty="0">
+              <a:rPr lang="en-GB" sz="3600" dirty="0">
                 <a:solidFill>
                   <a:schemeClr val="bg1"/>
                 </a:solidFill>
@@ -3686,14 +3686,14 @@
               <a:t>Let us seek His kingdom only</a:t>
             </a:r>
             <a:br>
-              <a:rPr lang="en-GB" sz="4800" dirty="0">
+              <a:rPr lang="en-GB" sz="3600" dirty="0">
                 <a:solidFill>
                   <a:schemeClr val="bg1"/>
                 </a:solidFill>
               </a:rPr>
             </a:br>
             <a:r>
-              <a:rPr lang="en-GB" sz="4800" dirty="0">
+              <a:rPr lang="en-GB" sz="3600" dirty="0">
                 <a:solidFill>
                   <a:schemeClr val="bg1"/>
                 </a:solidFill>
@@ -3701,14 +3701,14 @@
               <a:t>And our lives to be His praise</a:t>
             </a:r>
             <a:br>
-              <a:rPr lang="en-GB" sz="4800" dirty="0">
+              <a:rPr lang="en-GB" sz="3600" dirty="0">
                 <a:solidFill>
                   <a:schemeClr val="bg1"/>
                 </a:solidFill>
               </a:rPr>
             </a:br>
             <a:r>
-              <a:rPr lang="en-GB" sz="4800" dirty="0">
+              <a:rPr lang="en-GB" sz="3600" dirty="0">
                 <a:solidFill>
                   <a:schemeClr val="bg1"/>
                 </a:solidFill>
@@ -3716,14 +3716,14 @@
               <a:t>He alone shall be our glory</a:t>
             </a:r>
             <a:br>
-              <a:rPr lang="en-GB" sz="4800" dirty="0">
+              <a:rPr lang="en-GB" sz="3600" dirty="0">
                 <a:solidFill>
                   <a:schemeClr val="bg1"/>
                 </a:solidFill>
               </a:rPr>
             </a:br>
             <a:r>
-              <a:rPr lang="en-GB" sz="4800" dirty="0">
+              <a:rPr lang="en-GB" sz="3600" dirty="0">
                 <a:solidFill>
                   <a:schemeClr val="bg1"/>
                 </a:solidFill>
@@ -3731,14 +3731,14 @@
               <a:t>Nothing in the world we see</a:t>
             </a:r>
             <a:br>
-              <a:rPr lang="en-GB" sz="4800" dirty="0">
+              <a:rPr lang="en-GB" sz="3600" dirty="0">
                 <a:solidFill>
                   <a:schemeClr val="bg1"/>
                 </a:solidFill>
               </a:rPr>
             </a:br>
             <a:r>
-              <a:rPr lang="en-GB" sz="4800" dirty="0">
+              <a:rPr lang="en-GB" sz="3600" dirty="0">
                 <a:solidFill>
                   <a:schemeClr val="bg1"/>
                 </a:solidFill>
@@ -3746,25 +3746,20 @@
               <a:t>For He has cleansed and sanctified us</a:t>
             </a:r>
             <a:br>
-              <a:rPr lang="en-GB" sz="4800" dirty="0">
+              <a:rPr lang="en-GB" sz="3600" dirty="0">
                 <a:solidFill>
                   <a:schemeClr val="bg1"/>
                 </a:solidFill>
               </a:rPr>
             </a:br>
             <a:r>
-              <a:rPr lang="en-GB" sz="4800" dirty="0">
+              <a:rPr lang="en-GB" sz="3600" dirty="0">
                 <a:solidFill>
                   <a:schemeClr val="bg1"/>
                 </a:solidFill>
               </a:rPr>
               <a:t>He Himself has set us free</a:t>
             </a:r>
-            <a:endParaRPr lang="en-GB" sz="4700" dirty="0">
-              <a:solidFill>
-                <a:schemeClr val="bg1"/>
-              </a:solidFill>
-            </a:endParaRPr>
           </a:p>
         </p:txBody>
       </p:sp>
